--- a/코디해주는 코기.pptx
+++ b/코디해주는 코기.pptx
@@ -5,7 +5,7 @@
     <p:sldMasterId id="2147483656" r:id="rId1"/>
   </p:sldMasterIdLst>
   <p:notesMasterIdLst>
-    <p:notesMasterId r:id="rId13"/>
+    <p:notesMasterId r:id="rId12"/>
   </p:notesMasterIdLst>
   <p:sldIdLst>
     <p:sldId id="257" r:id="rId2"/>
@@ -16,17 +16,24 @@
     <p:sldId id="271" r:id="rId7"/>
     <p:sldId id="266" r:id="rId8"/>
     <p:sldId id="272" r:id="rId9"/>
-    <p:sldId id="267" r:id="rId10"/>
-    <p:sldId id="268" r:id="rId11"/>
-    <p:sldId id="269" r:id="rId12"/>
+    <p:sldId id="268" r:id="rId10"/>
+    <p:sldId id="269" r:id="rId11"/>
   </p:sldIdLst>
   <p:sldSz cx="12192000" cy="6858000"/>
   <p:notesSz cx="6858000" cy="9144000"/>
   <p:embeddedFontLst>
     <p:embeddedFont>
+      <p:font typeface="나눔스퀘어 Bold" panose="020B0600000101010101" pitchFamily="50" charset="-127"/>
+      <p:bold r:id="rId13"/>
+    </p:embeddedFont>
+    <p:embeddedFont>
+      <p:font typeface="나눔스퀘어 ExtraBold" panose="020B0600000101010101" pitchFamily="50" charset="-127"/>
+      <p:bold r:id="rId14"/>
+    </p:embeddedFont>
+    <p:embeddedFont>
       <p:font typeface="맑은 고딕" panose="020B0503020000020004" pitchFamily="50" charset="-127"/>
-      <p:regular r:id="rId14"/>
-      <p:bold r:id="rId15"/>
+      <p:regular r:id="rId15"/>
+      <p:bold r:id="rId16"/>
     </p:embeddedFont>
   </p:embeddedFontLst>
   <p:defaultTextStyle>
@@ -278,38 +285,37 @@
           <a:p>
             <a:pPr lvl="0"/>
             <a:r>
-              <a:rPr lang="ko-KR" altLang="en-US" smtClean="0"/>
+              <a:rPr lang="ko-KR" altLang="en-US"/>
               <a:t>마스터 텍스트 스타일 편집</a:t>
             </a:r>
           </a:p>
           <a:p>
             <a:pPr lvl="1"/>
             <a:r>
-              <a:rPr lang="ko-KR" altLang="en-US" smtClean="0"/>
+              <a:rPr lang="ko-KR" altLang="en-US"/>
               <a:t>둘째 수준</a:t>
             </a:r>
           </a:p>
           <a:p>
             <a:pPr lvl="2"/>
             <a:r>
-              <a:rPr lang="ko-KR" altLang="en-US" smtClean="0"/>
+              <a:rPr lang="ko-KR" altLang="en-US"/>
               <a:t>셋째 수준</a:t>
             </a:r>
           </a:p>
           <a:p>
             <a:pPr lvl="3"/>
             <a:r>
-              <a:rPr lang="ko-KR" altLang="en-US" smtClean="0"/>
+              <a:rPr lang="ko-KR" altLang="en-US"/>
               <a:t>넷째 수준</a:t>
             </a:r>
           </a:p>
           <a:p>
             <a:pPr lvl="4"/>
             <a:r>
-              <a:rPr lang="ko-KR" altLang="en-US" smtClean="0"/>
+              <a:rPr lang="ko-KR" altLang="en-US"/>
               <a:t>다섯째 수준</a:t>
             </a:r>
-            <a:endParaRPr lang="ko-KR" altLang="en-US"/>
           </a:p>
         </p:txBody>
       </p:sp>
@@ -1000,7 +1006,7 @@
           <a:p>
             <a:pPr algn="ctr"/>
             <a:r>
-              <a:rPr lang="ko-KR" altLang="en-US" sz="7200" spc="-300" dirty="0" smtClean="0">
+              <a:rPr lang="ko-KR" altLang="en-US" sz="7200" spc="-300" dirty="0">
                 <a:solidFill>
                   <a:srgbClr val="00002F"/>
                 </a:solidFill>
@@ -1010,7 +1016,7 @@
               <a:t>코디해주는 코기</a:t>
             </a:r>
             <a:r>
-              <a:rPr lang="en-US" altLang="ko-KR" sz="7200" spc="-300" dirty="0" smtClean="0">
+              <a:rPr lang="en-US" altLang="ko-KR" sz="7200" spc="-300" dirty="0">
                 <a:solidFill>
                   <a:srgbClr val="00002F"/>
                 </a:solidFill>
@@ -1037,7 +1043,7 @@
         </p:nvSpPr>
         <p:spPr>
           <a:xfrm>
-            <a:off x="4191411" y="3591816"/>
+            <a:off x="4186877" y="3647802"/>
             <a:ext cx="3818246" cy="391195"/>
           </a:xfrm>
           <a:prstGeom prst="rect">
@@ -1074,27 +1080,20 @@
           <a:p>
             <a:pPr algn="ctr"/>
             <a:r>
-              <a:rPr lang="en-US" altLang="ko-KR" dirty="0" smtClean="0">
+              <a:rPr lang="en-US" altLang="ko-KR" dirty="0">
                 <a:latin typeface="나눔스퀘어 Bold" panose="020B0600000101010101" pitchFamily="50" charset="-127"/>
                 <a:ea typeface="나눔스퀘어 Bold" panose="020B0600000101010101" pitchFamily="50" charset="-127"/>
               </a:rPr>
               <a:t>104 2</a:t>
             </a:r>
             <a:r>
-              <a:rPr lang="ko-KR" altLang="en-US" dirty="0" smtClean="0">
+              <a:rPr lang="ko-KR" altLang="en-US" dirty="0">
                 <a:latin typeface="나눔스퀘어 Bold" panose="020B0600000101010101" pitchFamily="50" charset="-127"/>
                 <a:ea typeface="나눔스퀘어 Bold" panose="020B0600000101010101" pitchFamily="50" charset="-127"/>
               </a:rPr>
               <a:t>조</a:t>
             </a:r>
-            <a:endParaRPr lang="en-US" altLang="ko-KR" dirty="0" smtClean="0">
-              <a:latin typeface="나눔스퀘어 Bold" panose="020B0600000101010101" pitchFamily="50" charset="-127"/>
-              <a:ea typeface="나눔스퀘어 Bold" panose="020B0600000101010101" pitchFamily="50" charset="-127"/>
-            </a:endParaRPr>
-          </a:p>
-          <a:p>
-            <a:pPr algn="ctr"/>
-            <a:endParaRPr lang="ko-KR" altLang="en-US" dirty="0">
+            <a:endParaRPr lang="en-US" altLang="ko-KR" dirty="0">
               <a:latin typeface="나눔스퀘어 Bold" panose="020B0600000101010101" pitchFamily="50" charset="-127"/>
               <a:ea typeface="나눔스퀘어 Bold" panose="020B0600000101010101" pitchFamily="50" charset="-127"/>
             </a:endParaRPr>
@@ -1111,13 +1110,6 @@
   <p:clrMapOvr>
     <a:masterClrMapping/>
   </p:clrMapOvr>
-  <p:timing>
-    <p:tnLst>
-      <p:par>
-        <p:cTn id="1" dur="indefinite" restart="never" nodeType="tmRoot"/>
-      </p:par>
-    </p:tnLst>
-  </p:timing>
 </p:sld>
 </file>
 
@@ -1140,14 +1132,14 @@
       </p:grpSpPr>
       <p:sp>
         <p:nvSpPr>
-          <p:cNvPr id="11" name="TextBox 10"/>
+          <p:cNvPr id="2" name="TextBox 1"/>
           <p:cNvSpPr txBox="1"/>
           <p:nvPr/>
         </p:nvSpPr>
         <p:spPr>
           <a:xfrm>
-            <a:off x="2693979" y="2091297"/>
-            <a:ext cx="946221" cy="584775"/>
+            <a:off x="3868376" y="2447473"/>
+            <a:ext cx="4455259" cy="1200329"/>
           </a:xfrm>
           <a:prstGeom prst="rect">
             <a:avLst/>
@@ -1162,425 +1154,7 @@
           <a:p>
             <a:pPr algn="ctr"/>
             <a:r>
-              <a:rPr lang="en-US" altLang="ko-KR" sz="3200" spc="-150" dirty="0" smtClean="0">
-                <a:solidFill>
-                  <a:srgbClr val="8DBABD"/>
-                </a:solidFill>
-                <a:latin typeface="나눔스퀘어 ExtraBold" panose="020B0600000101010101" pitchFamily="50" charset="-127"/>
-                <a:ea typeface="나눔스퀘어 ExtraBold" panose="020B0600000101010101" pitchFamily="50" charset="-127"/>
-              </a:rPr>
-              <a:t>Text</a:t>
-            </a:r>
-            <a:endParaRPr lang="ko-KR" altLang="en-US" sz="3200" spc="-150" dirty="0">
-              <a:solidFill>
-                <a:srgbClr val="8DBABD"/>
-              </a:solidFill>
-              <a:latin typeface="나눔스퀘어 ExtraBold" panose="020B0600000101010101" pitchFamily="50" charset="-127"/>
-              <a:ea typeface="나눔스퀘어 ExtraBold" panose="020B0600000101010101" pitchFamily="50" charset="-127"/>
-            </a:endParaRPr>
-          </a:p>
-        </p:txBody>
-      </p:sp>
-      <p:cxnSp>
-        <p:nvCxnSpPr>
-          <p:cNvPr id="14" name="직선 연결선 13"/>
-          <p:cNvCxnSpPr/>
-          <p:nvPr/>
-        </p:nvCxnSpPr>
-        <p:spPr>
-          <a:xfrm>
-            <a:off x="10430892" y="144941"/>
-            <a:ext cx="360000" cy="0"/>
-          </a:xfrm>
-          <a:prstGeom prst="line">
-            <a:avLst/>
-          </a:prstGeom>
-          <a:ln w="44450" cap="rnd">
-            <a:solidFill>
-              <a:srgbClr val="D0CECE"/>
-            </a:solidFill>
-          </a:ln>
-          <a:effectLst>
-            <a:outerShdw blurRad="50800" dist="38100" dir="5400000" algn="t" rotWithShape="0">
-              <a:prstClr val="black">
-                <a:alpha val="40000"/>
-              </a:prstClr>
-            </a:outerShdw>
-          </a:effectLst>
-        </p:spPr>
-        <p:style>
-          <a:lnRef idx="1">
-            <a:schemeClr val="accent1"/>
-          </a:lnRef>
-          <a:fillRef idx="0">
-            <a:schemeClr val="accent1"/>
-          </a:fillRef>
-          <a:effectRef idx="0">
-            <a:schemeClr val="accent1"/>
-          </a:effectRef>
-          <a:fontRef idx="minor">
-            <a:schemeClr val="tx1"/>
-          </a:fontRef>
-        </p:style>
-      </p:cxnSp>
-      <p:cxnSp>
-        <p:nvCxnSpPr>
-          <p:cNvPr id="15" name="직선 연결선 14"/>
-          <p:cNvCxnSpPr/>
-          <p:nvPr/>
-        </p:nvCxnSpPr>
-        <p:spPr>
-          <a:xfrm>
-            <a:off x="10858459" y="144941"/>
-            <a:ext cx="360000" cy="0"/>
-          </a:xfrm>
-          <a:prstGeom prst="line">
-            <a:avLst/>
-          </a:prstGeom>
-          <a:ln w="44450" cap="rnd">
-            <a:solidFill>
-              <a:schemeClr val="bg2">
-                <a:lumMod val="90000"/>
-              </a:schemeClr>
-            </a:solidFill>
-          </a:ln>
-          <a:effectLst>
-            <a:outerShdw blurRad="50800" dist="38100" dir="5400000" algn="t" rotWithShape="0">
-              <a:prstClr val="black">
-                <a:alpha val="40000"/>
-              </a:prstClr>
-            </a:outerShdw>
-          </a:effectLst>
-        </p:spPr>
-        <p:style>
-          <a:lnRef idx="1">
-            <a:schemeClr val="accent1"/>
-          </a:lnRef>
-          <a:fillRef idx="0">
-            <a:schemeClr val="accent1"/>
-          </a:fillRef>
-          <a:effectRef idx="0">
-            <a:schemeClr val="accent1"/>
-          </a:effectRef>
-          <a:fontRef idx="minor">
-            <a:schemeClr val="tx1"/>
-          </a:fontRef>
-        </p:style>
-      </p:cxnSp>
-      <p:cxnSp>
-        <p:nvCxnSpPr>
-          <p:cNvPr id="16" name="직선 연결선 15"/>
-          <p:cNvCxnSpPr/>
-          <p:nvPr/>
-        </p:nvCxnSpPr>
-        <p:spPr>
-          <a:xfrm>
-            <a:off x="11286026" y="144941"/>
-            <a:ext cx="360000" cy="0"/>
-          </a:xfrm>
-          <a:prstGeom prst="line">
-            <a:avLst/>
-          </a:prstGeom>
-          <a:ln w="44450" cap="rnd">
-            <a:solidFill>
-              <a:schemeClr val="bg2">
-                <a:lumMod val="90000"/>
-              </a:schemeClr>
-            </a:solidFill>
-          </a:ln>
-          <a:effectLst>
-            <a:outerShdw blurRad="50800" dist="38100" dir="5400000" algn="t" rotWithShape="0">
-              <a:prstClr val="black">
-                <a:alpha val="40000"/>
-              </a:prstClr>
-            </a:outerShdw>
-          </a:effectLst>
-        </p:spPr>
-        <p:style>
-          <a:lnRef idx="1">
-            <a:schemeClr val="accent1"/>
-          </a:lnRef>
-          <a:fillRef idx="0">
-            <a:schemeClr val="accent1"/>
-          </a:fillRef>
-          <a:effectRef idx="0">
-            <a:schemeClr val="accent1"/>
-          </a:effectRef>
-          <a:fontRef idx="minor">
-            <a:schemeClr val="tx1"/>
-          </a:fontRef>
-        </p:style>
-      </p:cxnSp>
-      <p:cxnSp>
-        <p:nvCxnSpPr>
-          <p:cNvPr id="17" name="직선 연결선 16"/>
-          <p:cNvCxnSpPr/>
-          <p:nvPr/>
-        </p:nvCxnSpPr>
-        <p:spPr>
-          <a:xfrm>
-            <a:off x="11713592" y="144941"/>
-            <a:ext cx="360000" cy="0"/>
-          </a:xfrm>
-          <a:prstGeom prst="line">
-            <a:avLst/>
-          </a:prstGeom>
-          <a:ln w="44450" cap="rnd">
-            <a:solidFill>
-              <a:srgbClr val="8DBABD"/>
-            </a:solidFill>
-          </a:ln>
-          <a:effectLst>
-            <a:outerShdw blurRad="50800" dist="38100" dir="5400000" algn="t" rotWithShape="0">
-              <a:prstClr val="black">
-                <a:alpha val="40000"/>
-              </a:prstClr>
-            </a:outerShdw>
-          </a:effectLst>
-        </p:spPr>
-        <p:style>
-          <a:lnRef idx="1">
-            <a:schemeClr val="accent1"/>
-          </a:lnRef>
-          <a:fillRef idx="0">
-            <a:schemeClr val="accent1"/>
-          </a:fillRef>
-          <a:effectRef idx="0">
-            <a:schemeClr val="accent1"/>
-          </a:effectRef>
-          <a:fontRef idx="minor">
-            <a:schemeClr val="tx1"/>
-          </a:fontRef>
-        </p:style>
-      </p:cxnSp>
-      <p:cxnSp>
-        <p:nvCxnSpPr>
-          <p:cNvPr id="18" name="직선 연결선 17"/>
-          <p:cNvCxnSpPr/>
-          <p:nvPr/>
-        </p:nvCxnSpPr>
-        <p:spPr>
-          <a:xfrm>
-            <a:off x="1026522" y="989148"/>
-            <a:ext cx="2160000" cy="0"/>
-          </a:xfrm>
-          <a:prstGeom prst="line">
-            <a:avLst/>
-          </a:prstGeom>
-          <a:ln>
-            <a:solidFill>
-              <a:schemeClr val="bg1">
-                <a:lumMod val="50000"/>
-              </a:schemeClr>
-            </a:solidFill>
-          </a:ln>
-        </p:spPr>
-        <p:style>
-          <a:lnRef idx="1">
-            <a:schemeClr val="accent1"/>
-          </a:lnRef>
-          <a:fillRef idx="0">
-            <a:schemeClr val="accent1"/>
-          </a:fillRef>
-          <a:effectRef idx="0">
-            <a:schemeClr val="accent1"/>
-          </a:effectRef>
-          <a:fontRef idx="minor">
-            <a:schemeClr val="tx1"/>
-          </a:fontRef>
-        </p:style>
-      </p:cxnSp>
-      <p:sp>
-        <p:nvSpPr>
-          <p:cNvPr id="19" name="TextBox 18"/>
-          <p:cNvSpPr txBox="1"/>
-          <p:nvPr/>
-        </p:nvSpPr>
-        <p:spPr>
-          <a:xfrm>
-            <a:off x="1026522" y="437393"/>
-            <a:ext cx="2162773" cy="584775"/>
-          </a:xfrm>
-          <a:prstGeom prst="rect">
-            <a:avLst/>
-          </a:prstGeom>
-          <a:noFill/>
-        </p:spPr>
-        <p:txBody>
-          <a:bodyPr wrap="none" rtlCol="0">
-            <a:spAutoFit/>
-          </a:bodyPr>
-          <a:lstStyle/>
-          <a:p>
-            <a:pPr algn="ctr"/>
-            <a:r>
-              <a:rPr lang="en-US" altLang="ko-KR" sz="3200" spc="-150" dirty="0" smtClean="0">
-                <a:solidFill>
-                  <a:srgbClr val="00002F"/>
-                </a:solidFill>
-                <a:latin typeface="나눔스퀘어 ExtraBold" panose="020B0600000101010101" pitchFamily="50" charset="-127"/>
-                <a:ea typeface="나눔스퀘어 ExtraBold" panose="020B0600000101010101" pitchFamily="50" charset="-127"/>
-              </a:rPr>
-              <a:t>CONTENTS</a:t>
-            </a:r>
-            <a:endParaRPr lang="ko-KR" altLang="en-US" sz="3200" spc="-150" dirty="0">
-              <a:solidFill>
-                <a:srgbClr val="00002F"/>
-              </a:solidFill>
-              <a:latin typeface="나눔스퀘어 ExtraBold" panose="020B0600000101010101" pitchFamily="50" charset="-127"/>
-              <a:ea typeface="나눔스퀘어 ExtraBold" panose="020B0600000101010101" pitchFamily="50" charset="-127"/>
-            </a:endParaRPr>
-          </a:p>
-        </p:txBody>
-      </p:sp>
-      <p:sp>
-        <p:nvSpPr>
-          <p:cNvPr id="20" name="TextBox 19"/>
-          <p:cNvSpPr txBox="1"/>
-          <p:nvPr/>
-        </p:nvSpPr>
-        <p:spPr>
-          <a:xfrm>
-            <a:off x="455532" y="498947"/>
-            <a:ext cx="614271" cy="461665"/>
-          </a:xfrm>
-          <a:prstGeom prst="rect">
-            <a:avLst/>
-          </a:prstGeom>
-          <a:noFill/>
-        </p:spPr>
-        <p:txBody>
-          <a:bodyPr wrap="none" rtlCol="0">
-            <a:spAutoFit/>
-          </a:bodyPr>
-          <a:lstStyle/>
-          <a:p>
-            <a:pPr algn="ctr"/>
-            <a:r>
-              <a:rPr lang="en-US" altLang="ko-KR" sz="2400" spc="-150" dirty="0" smtClean="0">
-                <a:solidFill>
-                  <a:srgbClr val="00002F"/>
-                </a:solidFill>
-                <a:latin typeface="나눔스퀘어 ExtraBold" panose="020B0600000101010101" pitchFamily="50" charset="-127"/>
-                <a:ea typeface="나눔스퀘어 ExtraBold" panose="020B0600000101010101" pitchFamily="50" charset="-127"/>
-              </a:rPr>
-              <a:t>04.</a:t>
-            </a:r>
-            <a:endParaRPr lang="ko-KR" altLang="en-US" sz="2400" spc="-150" dirty="0">
-              <a:solidFill>
-                <a:srgbClr val="00002F"/>
-              </a:solidFill>
-              <a:latin typeface="나눔스퀘어 ExtraBold" panose="020B0600000101010101" pitchFamily="50" charset="-127"/>
-              <a:ea typeface="나눔스퀘어 ExtraBold" panose="020B0600000101010101" pitchFamily="50" charset="-127"/>
-            </a:endParaRPr>
-          </a:p>
-        </p:txBody>
-      </p:sp>
-      <p:sp>
-        <p:nvSpPr>
-          <p:cNvPr id="21" name="TextBox 20"/>
-          <p:cNvSpPr txBox="1"/>
-          <p:nvPr/>
-        </p:nvSpPr>
-        <p:spPr>
-          <a:xfrm>
-            <a:off x="1069803" y="1006929"/>
-            <a:ext cx="578876" cy="369332"/>
-          </a:xfrm>
-          <a:prstGeom prst="rect">
-            <a:avLst/>
-          </a:prstGeom>
-          <a:noFill/>
-        </p:spPr>
-        <p:txBody>
-          <a:bodyPr wrap="none" rtlCol="0">
-            <a:spAutoFit/>
-          </a:bodyPr>
-          <a:lstStyle/>
-          <a:p>
-            <a:pPr algn="ctr"/>
-            <a:r>
-              <a:rPr lang="en-US" altLang="ko-KR" spc="-150" dirty="0" smtClean="0">
-                <a:solidFill>
-                  <a:srgbClr val="00002F"/>
-                </a:solidFill>
-                <a:latin typeface="나눔스퀘어 ExtraBold" panose="020B0600000101010101" pitchFamily="50" charset="-127"/>
-                <a:ea typeface="나눔스퀘어 ExtraBold" panose="020B0600000101010101" pitchFamily="50" charset="-127"/>
-              </a:rPr>
-              <a:t>Text</a:t>
-            </a:r>
-            <a:endParaRPr lang="ko-KR" altLang="en-US" spc="-150" dirty="0">
-              <a:solidFill>
-                <a:srgbClr val="00002F"/>
-              </a:solidFill>
-              <a:latin typeface="나눔스퀘어 ExtraBold" panose="020B0600000101010101" pitchFamily="50" charset="-127"/>
-              <a:ea typeface="나눔스퀘어 ExtraBold" panose="020B0600000101010101" pitchFamily="50" charset="-127"/>
-            </a:endParaRPr>
-          </a:p>
-        </p:txBody>
-      </p:sp>
-    </p:spTree>
-    <p:extLst>
-      <p:ext uri="{BB962C8B-B14F-4D97-AF65-F5344CB8AC3E}">
-        <p14:creationId xmlns:p14="http://schemas.microsoft.com/office/powerpoint/2010/main" val="2511007924"/>
-      </p:ext>
-    </p:extLst>
-  </p:cSld>
-  <p:clrMapOvr>
-    <a:masterClrMapping/>
-  </p:clrMapOvr>
-  <p:timing>
-    <p:tnLst>
-      <p:par>
-        <p:cTn id="1" dur="indefinite" restart="never" nodeType="tmRoot"/>
-      </p:par>
-    </p:tnLst>
-  </p:timing>
-</p:sld>
-</file>
-
-<file path=ppt/slides/slide11.xml><?xml version="1.0" encoding="utf-8"?>
-<p:sld xmlns:a="http://schemas.openxmlformats.org/drawingml/2006/main" xmlns:r="http://schemas.openxmlformats.org/officeDocument/2006/relationships" xmlns:p="http://schemas.openxmlformats.org/presentationml/2006/main">
-  <p:cSld>
-    <p:spTree>
-      <p:nvGrpSpPr>
-        <p:cNvPr id="1" name=""/>
-        <p:cNvGrpSpPr/>
-        <p:nvPr/>
-      </p:nvGrpSpPr>
-      <p:grpSpPr>
-        <a:xfrm>
-          <a:off x="0" y="0"/>
-          <a:ext cx="0" cy="0"/>
-          <a:chOff x="0" y="0"/>
-          <a:chExt cx="0" cy="0"/>
-        </a:xfrm>
-      </p:grpSpPr>
-      <p:sp>
-        <p:nvSpPr>
-          <p:cNvPr id="2" name="TextBox 1"/>
-          <p:cNvSpPr txBox="1"/>
-          <p:nvPr/>
-        </p:nvSpPr>
-        <p:spPr>
-          <a:xfrm>
-            <a:off x="3868376" y="2447473"/>
-            <a:ext cx="4455259" cy="1200329"/>
-          </a:xfrm>
-          <a:prstGeom prst="rect">
-            <a:avLst/>
-          </a:prstGeom>
-          <a:noFill/>
-        </p:spPr>
-        <p:txBody>
-          <a:bodyPr wrap="none" rtlCol="0">
-            <a:spAutoFit/>
-          </a:bodyPr>
-          <a:lstStyle/>
-          <a:p>
-            <a:pPr algn="ctr"/>
-            <a:r>
-              <a:rPr lang="en-US" altLang="ko-KR" sz="7200" spc="-300" dirty="0" smtClean="0">
+              <a:rPr lang="en-US" altLang="ko-KR" sz="7200" spc="-300" dirty="0">
                 <a:solidFill>
                   <a:srgbClr val="00002F"/>
                 </a:solidFill>
@@ -1644,13 +1218,20 @@
           <a:p>
             <a:pPr algn="ctr"/>
             <a:r>
-              <a:rPr lang="ko-KR" altLang="en-US" dirty="0" err="1" smtClean="0">
+              <a:rPr lang="en-US" altLang="ko-KR" dirty="0">
                 <a:latin typeface="나눔스퀘어 Bold" panose="020B0600000101010101" pitchFamily="50" charset="-127"/>
                 <a:ea typeface="나눔스퀘어 Bold" panose="020B0600000101010101" pitchFamily="50" charset="-127"/>
               </a:rPr>
-              <a:t>나눔스퀘어</a:t>
+              <a:t>104 2</a:t>
             </a:r>
-            <a:endParaRPr lang="ko-KR" altLang="en-US" dirty="0">
+            <a:r>
+              <a:rPr lang="ko-KR" altLang="en-US" dirty="0">
+                <a:latin typeface="나눔스퀘어 Bold" panose="020B0600000101010101" pitchFamily="50" charset="-127"/>
+                <a:ea typeface="나눔스퀘어 Bold" panose="020B0600000101010101" pitchFamily="50" charset="-127"/>
+              </a:rPr>
+              <a:t>조</a:t>
+            </a:r>
+            <a:endParaRPr lang="en-US" altLang="ko-KR" dirty="0">
               <a:latin typeface="나눔스퀘어 Bold" panose="020B0600000101010101" pitchFamily="50" charset="-127"/>
               <a:ea typeface="나눔스퀘어 Bold" panose="020B0600000101010101" pitchFamily="50" charset="-127"/>
             </a:endParaRPr>
@@ -1667,13 +1248,6 @@
   <p:clrMapOvr>
     <a:masterClrMapping/>
   </p:clrMapOvr>
-  <p:timing>
-    <p:tnLst>
-      <p:par>
-        <p:cTn id="1" dur="indefinite" restart="never" nodeType="tmRoot"/>
-      </p:par>
-    </p:tnLst>
-  </p:timing>
 </p:sld>
 </file>
 
@@ -1717,7 +1291,7 @@
           <a:lstStyle/>
           <a:p>
             <a:r>
-              <a:rPr lang="en-US" altLang="ko-KR" sz="11500" b="1" dirty="0" smtClean="0">
+              <a:rPr lang="en-US" altLang="ko-KR" sz="11500" b="1" dirty="0">
                 <a:solidFill>
                   <a:srgbClr val="00002F"/>
                 </a:solidFill>
@@ -1783,7 +1357,7 @@
           <a:p>
             <a:pPr algn="ctr"/>
             <a:r>
-              <a:rPr lang="en-US" altLang="ko-KR" sz="2000" dirty="0" smtClean="0">
+              <a:rPr lang="en-US" altLang="ko-KR" sz="2000" dirty="0">
                 <a:solidFill>
                   <a:srgbClr val="00002F"/>
                 </a:solidFill>
@@ -1793,7 +1367,7 @@
               <a:t>10411</a:t>
             </a:r>
             <a:r>
-              <a:rPr lang="ko-KR" altLang="en-US" sz="2000" dirty="0" smtClean="0">
+              <a:rPr lang="ko-KR" altLang="en-US" sz="2000" dirty="0">
                 <a:solidFill>
                   <a:srgbClr val="00002F"/>
                 </a:solidFill>
@@ -1802,7 +1376,7 @@
               </a:rPr>
               <a:t>박민준</a:t>
             </a:r>
-            <a:endParaRPr lang="en-US" altLang="ko-KR" sz="2000" dirty="0" smtClean="0">
+            <a:endParaRPr lang="en-US" altLang="ko-KR" sz="2000" dirty="0">
               <a:solidFill>
                 <a:srgbClr val="00002F"/>
               </a:solidFill>
@@ -1835,7 +1409,7 @@
           <a:lstStyle/>
           <a:p>
             <a:r>
-              <a:rPr lang="en-US" altLang="ko-KR" sz="11500" b="1" dirty="0" smtClean="0">
+              <a:rPr lang="en-US" altLang="ko-KR" sz="11500" b="1" dirty="0">
                 <a:solidFill>
                   <a:srgbClr val="00002F"/>
                 </a:solidFill>
@@ -1901,7 +1475,7 @@
           <a:p>
             <a:pPr algn="ctr"/>
             <a:r>
-              <a:rPr lang="en-US" altLang="ko-KR" sz="2000" dirty="0" smtClean="0">
+              <a:rPr lang="en-US" altLang="ko-KR" sz="2000" dirty="0">
                 <a:solidFill>
                   <a:srgbClr val="00002F"/>
                 </a:solidFill>
@@ -1911,7 +1485,7 @@
               <a:t>10412 </a:t>
             </a:r>
             <a:r>
-              <a:rPr lang="ko-KR" altLang="en-US" sz="2000" dirty="0" err="1" smtClean="0">
+              <a:rPr lang="ko-KR" altLang="en-US" sz="2000" dirty="0" err="1">
                 <a:solidFill>
                   <a:srgbClr val="00002F"/>
                 </a:solidFill>
@@ -1920,7 +1494,7 @@
               </a:rPr>
               <a:t>서윤하</a:t>
             </a:r>
-            <a:endParaRPr lang="en-US" altLang="ko-KR" sz="2000" dirty="0" smtClean="0">
+            <a:endParaRPr lang="en-US" altLang="ko-KR" sz="2000" dirty="0">
               <a:solidFill>
                 <a:srgbClr val="00002F"/>
               </a:solidFill>
@@ -1953,7 +1527,7 @@
           <a:lstStyle/>
           <a:p>
             <a:r>
-              <a:rPr lang="en-US" altLang="ko-KR" sz="11500" b="1" dirty="0" smtClean="0">
+              <a:rPr lang="en-US" altLang="ko-KR" sz="11500" b="1" dirty="0">
                 <a:solidFill>
                   <a:srgbClr val="00002F"/>
                 </a:solidFill>
@@ -2019,7 +1593,7 @@
           <a:p>
             <a:pPr algn="ctr"/>
             <a:r>
-              <a:rPr lang="en-US" altLang="ko-KR" sz="2000" dirty="0" smtClean="0">
+              <a:rPr lang="en-US" altLang="ko-KR" sz="2000" dirty="0">
                 <a:solidFill>
                   <a:srgbClr val="00002F"/>
                 </a:solidFill>
@@ -2029,7 +1603,7 @@
               <a:t>10409</a:t>
             </a:r>
             <a:r>
-              <a:rPr lang="ko-KR" altLang="en-US" sz="2000" dirty="0" smtClean="0">
+              <a:rPr lang="ko-KR" altLang="en-US" sz="2000" dirty="0">
                 <a:solidFill>
                   <a:srgbClr val="00002F"/>
                 </a:solidFill>
@@ -2038,7 +1612,7 @@
               </a:rPr>
               <a:t>김호</a:t>
             </a:r>
-            <a:endParaRPr lang="en-US" altLang="ko-KR" sz="2000" dirty="0" smtClean="0">
+            <a:endParaRPr lang="en-US" altLang="ko-KR" sz="2000" dirty="0">
               <a:solidFill>
                 <a:srgbClr val="00002F"/>
               </a:solidFill>
@@ -2072,7 +1646,7 @@
           <a:p>
             <a:pPr algn="ctr"/>
             <a:r>
-              <a:rPr lang="ko-KR" altLang="en-US" sz="3200" spc="-150" dirty="0" smtClean="0">
+              <a:rPr lang="ko-KR" altLang="en-US" sz="3200" spc="-150" dirty="0">
                 <a:solidFill>
                   <a:srgbClr val="00002F"/>
                 </a:solidFill>
@@ -2081,7 +1655,7 @@
               </a:rPr>
               <a:t>팀원</a:t>
             </a:r>
-            <a:endParaRPr lang="en-US" altLang="ko-KR" sz="3200" spc="-150" dirty="0" smtClean="0">
+            <a:endParaRPr lang="en-US" altLang="ko-KR" sz="3200" spc="-150" dirty="0">
               <a:solidFill>
                 <a:srgbClr val="00002F"/>
               </a:solidFill>
@@ -2148,13 +1722,6 @@
   <p:clrMapOvr>
     <a:masterClrMapping/>
   </p:clrMapOvr>
-  <p:timing>
-    <p:tnLst>
-      <p:par>
-        <p:cTn id="1" dur="indefinite" restart="never" nodeType="tmRoot"/>
-      </p:par>
-    </p:tnLst>
-  </p:timing>
 </p:sld>
 </file>
 
@@ -2236,7 +1803,7 @@
           <a:p>
             <a:pPr algn="ctr"/>
             <a:r>
-              <a:rPr lang="ko-KR" altLang="en-US" sz="3200" spc="-150" dirty="0" err="1" smtClean="0">
+              <a:rPr lang="ko-KR" altLang="en-US" sz="3200" spc="-150" dirty="0" err="1">
                 <a:solidFill>
                   <a:srgbClr val="00002F"/>
                 </a:solidFill>
@@ -2245,7 +1812,7 @@
               </a:rPr>
               <a:t>메인화면</a:t>
             </a:r>
-            <a:endParaRPr lang="en-US" altLang="ko-KR" sz="3200" spc="-150" dirty="0" smtClean="0">
+            <a:endParaRPr lang="en-US" altLang="ko-KR" sz="3200" spc="-150" dirty="0">
               <a:solidFill>
                 <a:srgbClr val="00002F"/>
               </a:solidFill>
@@ -2289,7 +1856,7 @@
           <a:p>
             <a:pPr algn="ctr"/>
             <a:r>
-              <a:rPr lang="en-US" altLang="ko-KR" sz="2400" spc="-150" dirty="0" smtClean="0">
+              <a:rPr lang="en-US" altLang="ko-KR" sz="2400" spc="-150" dirty="0">
                 <a:solidFill>
                   <a:srgbClr val="00002F"/>
                 </a:solidFill>
@@ -2516,13 +2083,6 @@
   <p:clrMapOvr>
     <a:masterClrMapping/>
   </p:clrMapOvr>
-  <p:timing>
-    <p:tnLst>
-      <p:par>
-        <p:cTn id="1" dur="indefinite" restart="never" nodeType="tmRoot"/>
-      </p:par>
-    </p:tnLst>
-  </p:timing>
 </p:sld>
 </file>
 
@@ -2604,7 +2164,7 @@
           <a:p>
             <a:pPr algn="ctr"/>
             <a:r>
-              <a:rPr lang="ko-KR" altLang="en-US" sz="3200" spc="-150" dirty="0" err="1" smtClean="0">
+              <a:rPr lang="ko-KR" altLang="en-US" sz="3200" spc="-150" dirty="0" err="1">
                 <a:solidFill>
                   <a:srgbClr val="00002F"/>
                 </a:solidFill>
@@ -2613,7 +2173,7 @@
               </a:rPr>
               <a:t>메인화면</a:t>
             </a:r>
-            <a:endParaRPr lang="en-US" altLang="ko-KR" sz="3200" spc="-150" dirty="0" smtClean="0">
+            <a:endParaRPr lang="en-US" altLang="ko-KR" sz="3200" spc="-150" dirty="0">
               <a:solidFill>
                 <a:srgbClr val="00002F"/>
               </a:solidFill>
@@ -2657,7 +2217,7 @@
           <a:p>
             <a:pPr algn="ctr"/>
             <a:r>
-              <a:rPr lang="en-US" altLang="ko-KR" sz="2400" spc="-150" dirty="0" smtClean="0">
+              <a:rPr lang="en-US" altLang="ko-KR" sz="2400" spc="-150" dirty="0">
                 <a:solidFill>
                   <a:srgbClr val="00002F"/>
                 </a:solidFill>
@@ -2873,15 +2433,11 @@
           <a:lstStyle/>
           <a:p>
             <a:r>
-              <a:rPr lang="ko-KR" altLang="en-US" dirty="0" smtClean="0"/>
+              <a:rPr lang="ko-KR" altLang="en-US" dirty="0"/>
               <a:t>주요 소스</a:t>
             </a:r>
-            <a:r>
-              <a:rPr lang="en-US" altLang="ko-KR" dirty="0" smtClean="0"/>
-              <a:t/>
-            </a:r>
             <a:br>
-              <a:rPr lang="en-US" altLang="ko-KR" dirty="0" smtClean="0"/>
+              <a:rPr lang="en-US" altLang="ko-KR" dirty="0"/>
             </a:br>
             <a:endParaRPr lang="ko-KR" altLang="en-US" dirty="0"/>
           </a:p>
@@ -2921,13 +2477,6 @@
   <p:clrMapOvr>
     <a:masterClrMapping/>
   </p:clrMapOvr>
-  <p:timing>
-    <p:tnLst>
-      <p:par>
-        <p:cTn id="1" dur="indefinite" restart="never" nodeType="tmRoot"/>
-      </p:par>
-    </p:tnLst>
-  </p:timing>
 </p:sld>
 </file>
 
@@ -3181,7 +2730,7 @@
           <a:p>
             <a:pPr algn="ctr"/>
             <a:r>
-              <a:rPr lang="ko-KR" altLang="en-US" sz="3200" spc="-150" dirty="0" smtClean="0">
+              <a:rPr lang="ko-KR" altLang="en-US" sz="3200" spc="-150" dirty="0">
                 <a:solidFill>
                   <a:srgbClr val="00002F"/>
                 </a:solidFill>
@@ -3190,7 +2739,7 @@
               </a:rPr>
               <a:t>소식</a:t>
             </a:r>
-            <a:endParaRPr lang="en-US" altLang="ko-KR" sz="3200" spc="-150" dirty="0" smtClean="0">
+            <a:endParaRPr lang="en-US" altLang="ko-KR" sz="3200" spc="-150" dirty="0">
               <a:solidFill>
                 <a:srgbClr val="00002F"/>
               </a:solidFill>
@@ -3234,7 +2783,7 @@
           <a:p>
             <a:pPr algn="ctr"/>
             <a:r>
-              <a:rPr lang="en-US" altLang="ko-KR" sz="2400" spc="-150" dirty="0" smtClean="0">
+              <a:rPr lang="en-US" altLang="ko-KR" sz="2400" spc="-150" dirty="0">
                 <a:solidFill>
                   <a:srgbClr val="00002F"/>
                 </a:solidFill>
@@ -3727,7 +3276,7 @@
           <a:p>
             <a:pPr algn="ctr"/>
             <a:r>
-              <a:rPr lang="ko-KR" altLang="en-US" sz="3200" spc="-150" dirty="0" smtClean="0">
+              <a:rPr lang="ko-KR" altLang="en-US" sz="3200" spc="-150" dirty="0">
                 <a:solidFill>
                   <a:srgbClr val="00002F"/>
                 </a:solidFill>
@@ -3736,7 +3285,7 @@
               </a:rPr>
               <a:t>소식</a:t>
             </a:r>
-            <a:endParaRPr lang="en-US" altLang="ko-KR" sz="3200" spc="-150" dirty="0" smtClean="0">
+            <a:endParaRPr lang="en-US" altLang="ko-KR" sz="3200" spc="-150" dirty="0">
               <a:solidFill>
                 <a:srgbClr val="00002F"/>
               </a:solidFill>
@@ -3780,7 +3329,7 @@
           <a:p>
             <a:pPr algn="ctr"/>
             <a:r>
-              <a:rPr lang="en-US" altLang="ko-KR" sz="2400" spc="-150" dirty="0" smtClean="0">
+              <a:rPr lang="en-US" altLang="ko-KR" sz="2400" spc="-150" dirty="0">
                 <a:solidFill>
                   <a:srgbClr val="00002F"/>
                 </a:solidFill>
@@ -3822,15 +3371,11 @@
           <a:lstStyle/>
           <a:p>
             <a:r>
-              <a:rPr lang="ko-KR" altLang="en-US" dirty="0" smtClean="0"/>
+              <a:rPr lang="ko-KR" altLang="en-US" dirty="0"/>
               <a:t>주요 소스</a:t>
             </a:r>
-            <a:r>
-              <a:rPr lang="en-US" altLang="ko-KR" dirty="0" smtClean="0"/>
-              <a:t/>
-            </a:r>
             <a:br>
-              <a:rPr lang="en-US" altLang="ko-KR" dirty="0" smtClean="0"/>
+              <a:rPr lang="en-US" altLang="ko-KR" dirty="0"/>
             </a:br>
             <a:endParaRPr lang="ko-KR" altLang="en-US" dirty="0"/>
           </a:p>
@@ -3870,13 +3415,6 @@
   <p:clrMapOvr>
     <a:masterClrMapping/>
   </p:clrMapOvr>
-  <p:timing>
-    <p:tnLst>
-      <p:par>
-        <p:cTn id="1" dur="indefinite" restart="never" nodeType="tmRoot"/>
-      </p:par>
-    </p:tnLst>
-  </p:timing>
 </p:sld>
 </file>
 
@@ -4130,7 +3668,7 @@
           <a:p>
             <a:pPr algn="ctr"/>
             <a:r>
-              <a:rPr lang="ko-KR" altLang="en-US" sz="3200" spc="-150" dirty="0" err="1" smtClean="0">
+              <a:rPr lang="ko-KR" altLang="en-US" sz="3200" spc="-150" dirty="0" err="1">
                 <a:solidFill>
                   <a:srgbClr val="00002F"/>
                 </a:solidFill>
@@ -4139,7 +3677,7 @@
               </a:rPr>
               <a:t>패션정보</a:t>
             </a:r>
-            <a:endParaRPr lang="en-US" altLang="ko-KR" sz="3200" spc="-150" dirty="0" smtClean="0">
+            <a:endParaRPr lang="en-US" altLang="ko-KR" sz="3200" spc="-150" dirty="0">
               <a:solidFill>
                 <a:srgbClr val="00002F"/>
               </a:solidFill>
@@ -4183,7 +3721,7 @@
           <a:p>
             <a:pPr algn="ctr"/>
             <a:r>
-              <a:rPr lang="en-US" altLang="ko-KR" sz="2400" spc="-150" dirty="0" smtClean="0">
+              <a:rPr lang="en-US" altLang="ko-KR" sz="2400" spc="-150" dirty="0">
                 <a:solidFill>
                   <a:srgbClr val="00002F"/>
                 </a:solidFill>
@@ -4218,7 +3756,7 @@
         </p:blipFill>
         <p:spPr>
           <a:xfrm>
-            <a:off x="2868535" y="3385370"/>
+            <a:off x="2868535" y="3410537"/>
             <a:ext cx="5924021" cy="3467522"/>
           </a:xfrm>
           <a:prstGeom prst="rect">
@@ -4242,7 +3780,7 @@
         </p:blipFill>
         <p:spPr>
           <a:xfrm>
-            <a:off x="3050073" y="144941"/>
+            <a:off x="3050073" y="128163"/>
             <a:ext cx="7133292" cy="3240429"/>
           </a:xfrm>
           <a:prstGeom prst="rect">
@@ -4260,13 +3798,6 @@
   <p:clrMapOvr>
     <a:masterClrMapping/>
   </p:clrMapOvr>
-  <p:timing>
-    <p:tnLst>
-      <p:par>
-        <p:cTn id="1" dur="indefinite" restart="never" nodeType="tmRoot"/>
-      </p:par>
-    </p:tnLst>
-  </p:timing>
 </p:sld>
 </file>
 
@@ -4520,7 +4051,7 @@
           <a:p>
             <a:pPr algn="ctr"/>
             <a:r>
-              <a:rPr lang="ko-KR" altLang="en-US" sz="3200" spc="-150" dirty="0" err="1" smtClean="0">
+              <a:rPr lang="ko-KR" altLang="en-US" sz="3200" spc="-150" dirty="0" err="1">
                 <a:solidFill>
                   <a:srgbClr val="00002F"/>
                 </a:solidFill>
@@ -4529,7 +4060,7 @@
               </a:rPr>
               <a:t>패션정보</a:t>
             </a:r>
-            <a:endParaRPr lang="en-US" altLang="ko-KR" sz="3200" spc="-150" dirty="0" smtClean="0">
+            <a:endParaRPr lang="en-US" altLang="ko-KR" sz="3200" spc="-150" dirty="0">
               <a:solidFill>
                 <a:srgbClr val="00002F"/>
               </a:solidFill>
@@ -4573,7 +4104,7 @@
           <a:p>
             <a:pPr algn="ctr"/>
             <a:r>
-              <a:rPr lang="en-US" altLang="ko-KR" sz="2400" spc="-150" dirty="0" smtClean="0">
+              <a:rPr lang="en-US" altLang="ko-KR" sz="2400" spc="-150" dirty="0">
                 <a:solidFill>
                   <a:srgbClr val="00002F"/>
                 </a:solidFill>
@@ -4600,7 +4131,7 @@
         </p:nvSpPr>
         <p:spPr>
           <a:xfrm>
-            <a:off x="4571999" y="828939"/>
+            <a:off x="4613944" y="406613"/>
             <a:ext cx="3749040" cy="646331"/>
           </a:xfrm>
           <a:prstGeom prst="rect">
@@ -4615,20 +4146,76 @@
           <a:lstStyle/>
           <a:p>
             <a:r>
-              <a:rPr lang="ko-KR" altLang="en-US" dirty="0" smtClean="0"/>
+              <a:rPr lang="ko-KR" altLang="en-US" dirty="0"/>
               <a:t>주요 소스</a:t>
             </a:r>
-            <a:r>
-              <a:rPr lang="en-US" altLang="ko-KR" dirty="0" smtClean="0"/>
-              <a:t/>
-            </a:r>
             <a:br>
-              <a:rPr lang="en-US" altLang="ko-KR" dirty="0" smtClean="0"/>
+              <a:rPr lang="en-US" altLang="ko-KR" dirty="0"/>
             </a:br>
             <a:endParaRPr lang="ko-KR" altLang="en-US" dirty="0"/>
           </a:p>
         </p:txBody>
       </p:sp>
+      <p:pic>
+        <p:nvPicPr>
+          <p:cNvPr id="2" name="그림 1">
+            <a:extLst>
+              <a:ext uri="{FF2B5EF4-FFF2-40B4-BE49-F238E27FC236}">
+                <a16:creationId xmlns:a16="http://schemas.microsoft.com/office/drawing/2014/main" id="{0B3E9D2E-74B0-4EA3-9058-502066986EAB}"/>
+              </a:ext>
+            </a:extLst>
+          </p:cNvPr>
+          <p:cNvPicPr>
+            <a:picLocks noChangeAspect="1"/>
+          </p:cNvPicPr>
+          <p:nvPr/>
+        </p:nvPicPr>
+        <p:blipFill>
+          <a:blip r:embed="rId2"/>
+          <a:stretch>
+            <a:fillRect/>
+          </a:stretch>
+        </p:blipFill>
+        <p:spPr>
+          <a:xfrm>
+            <a:off x="1583554" y="1017685"/>
+            <a:ext cx="3915268" cy="5729023"/>
+          </a:xfrm>
+          <a:prstGeom prst="rect">
+            <a:avLst/>
+          </a:prstGeom>
+        </p:spPr>
+      </p:pic>
+      <p:pic>
+        <p:nvPicPr>
+          <p:cNvPr id="3" name="그림 2">
+            <a:extLst>
+              <a:ext uri="{FF2B5EF4-FFF2-40B4-BE49-F238E27FC236}">
+                <a16:creationId xmlns:a16="http://schemas.microsoft.com/office/drawing/2014/main" id="{ECCDA311-02A3-4A8A-A8FA-6BD2E900AD3C}"/>
+              </a:ext>
+            </a:extLst>
+          </p:cNvPr>
+          <p:cNvPicPr>
+            <a:picLocks noChangeAspect="1"/>
+          </p:cNvPicPr>
+          <p:nvPr/>
+        </p:nvPicPr>
+        <p:blipFill>
+          <a:blip r:embed="rId3"/>
+          <a:stretch>
+            <a:fillRect/>
+          </a:stretch>
+        </p:blipFill>
+        <p:spPr>
+          <a:xfrm>
+            <a:off x="6316092" y="536408"/>
+            <a:ext cx="4114800" cy="6210300"/>
+          </a:xfrm>
+          <a:prstGeom prst="rect">
+            <a:avLst/>
+          </a:prstGeom>
+        </p:spPr>
+      </p:pic>
     </p:spTree>
     <p:extLst>
       <p:ext uri="{BB962C8B-B14F-4D97-AF65-F5344CB8AC3E}">
@@ -4639,13 +4226,6 @@
   <p:clrMapOvr>
     <a:masterClrMapping/>
   </p:clrMapOvr>
-  <p:timing>
-    <p:tnLst>
-      <p:par>
-        <p:cTn id="1" dur="indefinite" restart="never" nodeType="tmRoot"/>
-      </p:par>
-    </p:tnLst>
-  </p:timing>
 </p:sld>
 </file>
 
@@ -4666,16 +4246,225 @@
           <a:chExt cx="0" cy="0"/>
         </a:xfrm>
       </p:grpSpPr>
+      <p:cxnSp>
+        <p:nvCxnSpPr>
+          <p:cNvPr id="14" name="직선 연결선 13"/>
+          <p:cNvCxnSpPr/>
+          <p:nvPr/>
+        </p:nvCxnSpPr>
+        <p:spPr>
+          <a:xfrm>
+            <a:off x="10430892" y="144941"/>
+            <a:ext cx="360000" cy="0"/>
+          </a:xfrm>
+          <a:prstGeom prst="line">
+            <a:avLst/>
+          </a:prstGeom>
+          <a:ln w="44450" cap="rnd">
+            <a:solidFill>
+              <a:srgbClr val="D0CECE"/>
+            </a:solidFill>
+          </a:ln>
+          <a:effectLst>
+            <a:outerShdw blurRad="50800" dist="38100" dir="5400000" algn="t" rotWithShape="0">
+              <a:prstClr val="black">
+                <a:alpha val="40000"/>
+              </a:prstClr>
+            </a:outerShdw>
+          </a:effectLst>
+        </p:spPr>
+        <p:style>
+          <a:lnRef idx="1">
+            <a:schemeClr val="accent1"/>
+          </a:lnRef>
+          <a:fillRef idx="0">
+            <a:schemeClr val="accent1"/>
+          </a:fillRef>
+          <a:effectRef idx="0">
+            <a:schemeClr val="accent1"/>
+          </a:effectRef>
+          <a:fontRef idx="minor">
+            <a:schemeClr val="tx1"/>
+          </a:fontRef>
+        </p:style>
+      </p:cxnSp>
+      <p:cxnSp>
+        <p:nvCxnSpPr>
+          <p:cNvPr id="15" name="직선 연결선 14"/>
+          <p:cNvCxnSpPr/>
+          <p:nvPr/>
+        </p:nvCxnSpPr>
+        <p:spPr>
+          <a:xfrm>
+            <a:off x="10858459" y="144941"/>
+            <a:ext cx="360000" cy="0"/>
+          </a:xfrm>
+          <a:prstGeom prst="line">
+            <a:avLst/>
+          </a:prstGeom>
+          <a:ln w="44450" cap="rnd">
+            <a:solidFill>
+              <a:schemeClr val="bg2">
+                <a:lumMod val="90000"/>
+              </a:schemeClr>
+            </a:solidFill>
+          </a:ln>
+          <a:effectLst>
+            <a:outerShdw blurRad="50800" dist="38100" dir="5400000" algn="t" rotWithShape="0">
+              <a:prstClr val="black">
+                <a:alpha val="40000"/>
+              </a:prstClr>
+            </a:outerShdw>
+          </a:effectLst>
+        </p:spPr>
+        <p:style>
+          <a:lnRef idx="1">
+            <a:schemeClr val="accent1"/>
+          </a:lnRef>
+          <a:fillRef idx="0">
+            <a:schemeClr val="accent1"/>
+          </a:fillRef>
+          <a:effectRef idx="0">
+            <a:schemeClr val="accent1"/>
+          </a:effectRef>
+          <a:fontRef idx="minor">
+            <a:schemeClr val="tx1"/>
+          </a:fontRef>
+        </p:style>
+      </p:cxnSp>
+      <p:cxnSp>
+        <p:nvCxnSpPr>
+          <p:cNvPr id="16" name="직선 연결선 15"/>
+          <p:cNvCxnSpPr/>
+          <p:nvPr/>
+        </p:nvCxnSpPr>
+        <p:spPr>
+          <a:xfrm>
+            <a:off x="11286026" y="144941"/>
+            <a:ext cx="360000" cy="0"/>
+          </a:xfrm>
+          <a:prstGeom prst="line">
+            <a:avLst/>
+          </a:prstGeom>
+          <a:ln w="44450" cap="rnd">
+            <a:solidFill>
+              <a:schemeClr val="bg2">
+                <a:lumMod val="90000"/>
+              </a:schemeClr>
+            </a:solidFill>
+          </a:ln>
+          <a:effectLst>
+            <a:outerShdw blurRad="50800" dist="38100" dir="5400000" algn="t" rotWithShape="0">
+              <a:prstClr val="black">
+                <a:alpha val="40000"/>
+              </a:prstClr>
+            </a:outerShdw>
+          </a:effectLst>
+        </p:spPr>
+        <p:style>
+          <a:lnRef idx="1">
+            <a:schemeClr val="accent1"/>
+          </a:lnRef>
+          <a:fillRef idx="0">
+            <a:schemeClr val="accent1"/>
+          </a:fillRef>
+          <a:effectRef idx="0">
+            <a:schemeClr val="accent1"/>
+          </a:effectRef>
+          <a:fontRef idx="minor">
+            <a:schemeClr val="tx1"/>
+          </a:fontRef>
+        </p:style>
+      </p:cxnSp>
+      <p:cxnSp>
+        <p:nvCxnSpPr>
+          <p:cNvPr id="17" name="직선 연결선 16"/>
+          <p:cNvCxnSpPr/>
+          <p:nvPr/>
+        </p:nvCxnSpPr>
+        <p:spPr>
+          <a:xfrm>
+            <a:off x="11713592" y="144941"/>
+            <a:ext cx="360000" cy="0"/>
+          </a:xfrm>
+          <a:prstGeom prst="line">
+            <a:avLst/>
+          </a:prstGeom>
+          <a:ln w="44450" cap="rnd">
+            <a:solidFill>
+              <a:srgbClr val="8DBABD"/>
+            </a:solidFill>
+          </a:ln>
+          <a:effectLst>
+            <a:outerShdw blurRad="50800" dist="38100" dir="5400000" algn="t" rotWithShape="0">
+              <a:prstClr val="black">
+                <a:alpha val="40000"/>
+              </a:prstClr>
+            </a:outerShdw>
+          </a:effectLst>
+        </p:spPr>
+        <p:style>
+          <a:lnRef idx="1">
+            <a:schemeClr val="accent1"/>
+          </a:lnRef>
+          <a:fillRef idx="0">
+            <a:schemeClr val="accent1"/>
+          </a:fillRef>
+          <a:effectRef idx="0">
+            <a:schemeClr val="accent1"/>
+          </a:effectRef>
+          <a:fontRef idx="minor">
+            <a:schemeClr val="tx1"/>
+          </a:fontRef>
+        </p:style>
+      </p:cxnSp>
+      <p:cxnSp>
+        <p:nvCxnSpPr>
+          <p:cNvPr id="18" name="직선 연결선 17"/>
+          <p:cNvCxnSpPr/>
+          <p:nvPr/>
+        </p:nvCxnSpPr>
+        <p:spPr>
+          <a:xfrm>
+            <a:off x="1026522" y="989148"/>
+            <a:ext cx="2160000" cy="0"/>
+          </a:xfrm>
+          <a:prstGeom prst="line">
+            <a:avLst/>
+          </a:prstGeom>
+          <a:ln>
+            <a:solidFill>
+              <a:schemeClr val="bg1">
+                <a:lumMod val="50000"/>
+              </a:schemeClr>
+            </a:solidFill>
+          </a:ln>
+        </p:spPr>
+        <p:style>
+          <a:lnRef idx="1">
+            <a:schemeClr val="accent1"/>
+          </a:lnRef>
+          <a:fillRef idx="0">
+            <a:schemeClr val="accent1"/>
+          </a:fillRef>
+          <a:effectRef idx="0">
+            <a:schemeClr val="accent1"/>
+          </a:effectRef>
+          <a:fontRef idx="minor">
+            <a:schemeClr val="tx1"/>
+          </a:fontRef>
+        </p:style>
+      </p:cxnSp>
       <p:sp>
         <p:nvSpPr>
-          <p:cNvPr id="2" name="TextBox 1"/>
+          <p:cNvPr id="19" name="TextBox 18"/>
           <p:cNvSpPr txBox="1"/>
           <p:nvPr/>
         </p:nvSpPr>
         <p:spPr>
           <a:xfrm>
-            <a:off x="4000500" y="2472873"/>
-            <a:ext cx="797013" cy="769441"/>
+            <a:off x="1265371" y="437393"/>
+            <a:ext cx="1685077" cy="584775"/>
           </a:xfrm>
           <a:prstGeom prst="rect">
             <a:avLst/>
@@ -4688,108 +4477,140 @@
           </a:bodyPr>
           <a:lstStyle/>
           <a:p>
+            <a:pPr algn="ctr"/>
             <a:r>
-              <a:rPr lang="en-US" altLang="ko-KR" sz="4400" spc="-300" dirty="0" smtClean="0">
+              <a:rPr lang="ko-KR" altLang="en-US" sz="3200" spc="-150" dirty="0">
                 <a:solidFill>
                   <a:srgbClr val="00002F"/>
                 </a:solidFill>
-                <a:latin typeface="나눔스퀘어 Bold" panose="020B0600000101010101" pitchFamily="50" charset="-127"/>
-                <a:ea typeface="나눔스퀘어 Bold" panose="020B0600000101010101" pitchFamily="50" charset="-127"/>
+                <a:latin typeface="나눔스퀘어 ExtraBold" panose="020B0600000101010101" pitchFamily="50" charset="-127"/>
+                <a:ea typeface="나눔스퀘어 ExtraBold" panose="020B0600000101010101" pitchFamily="50" charset="-127"/>
               </a:rPr>
-              <a:t>04</a:t>
+              <a:t>내 스타일</a:t>
             </a:r>
-            <a:endParaRPr lang="ko-KR" altLang="en-US" sz="4400" spc="-300" dirty="0">
+            <a:endParaRPr lang="en-US" altLang="ko-KR" sz="3200" spc="-150" dirty="0">
               <a:solidFill>
                 <a:srgbClr val="00002F"/>
               </a:solidFill>
-              <a:latin typeface="나눔스퀘어 Bold" panose="020B0600000101010101" pitchFamily="50" charset="-127"/>
-              <a:ea typeface="나눔스퀘어 Bold" panose="020B0600000101010101" pitchFamily="50" charset="-127"/>
+              <a:latin typeface="나눔스퀘어 ExtraBold" panose="020B0600000101010101" pitchFamily="50" charset="-127"/>
+              <a:ea typeface="나눔스퀘어 ExtraBold" panose="020B0600000101010101" pitchFamily="50" charset="-127"/>
             </a:endParaRPr>
           </a:p>
         </p:txBody>
       </p:sp>
       <p:sp>
         <p:nvSpPr>
-          <p:cNvPr id="3" name="직사각형 2"/>
-          <p:cNvSpPr/>
+          <p:cNvPr id="20" name="TextBox 19"/>
+          <p:cNvSpPr txBox="1"/>
           <p:nvPr/>
         </p:nvSpPr>
         <p:spPr>
           <a:xfrm>
-            <a:off x="4000499" y="3169741"/>
-            <a:ext cx="4200071" cy="473345"/>
+            <a:off x="455532" y="498947"/>
+            <a:ext cx="614271" cy="461665"/>
           </a:xfrm>
           <a:prstGeom prst="rect">
             <a:avLst/>
           </a:prstGeom>
-          <a:solidFill>
-            <a:srgbClr val="8DBABD"/>
-          </a:solidFill>
-          <a:ln>
-            <a:solidFill>
-              <a:srgbClr val="8DBABD"/>
-            </a:solidFill>
-          </a:ln>
-        </p:spPr>
-        <p:style>
-          <a:lnRef idx="2">
-            <a:schemeClr val="accent1">
-              <a:shade val="50000"/>
-            </a:schemeClr>
-          </a:lnRef>
-          <a:fillRef idx="1">
-            <a:schemeClr val="accent1"/>
-          </a:fillRef>
-          <a:effectRef idx="0">
-            <a:schemeClr val="accent1"/>
-          </a:effectRef>
-          <a:fontRef idx="minor">
-            <a:schemeClr val="lt1"/>
-          </a:fontRef>
-        </p:style>
+          <a:noFill/>
+        </p:spPr>
         <p:txBody>
-          <a:bodyPr rtlCol="0" anchor="ctr"/>
+          <a:bodyPr wrap="none" rtlCol="0">
+            <a:spAutoFit/>
+          </a:bodyPr>
           <a:lstStyle/>
           <a:p>
             <a:pPr algn="ctr"/>
             <a:r>
-              <a:rPr lang="ko-KR" altLang="en-US" dirty="0" smtClean="0">
-                <a:latin typeface="나눔스퀘어 Bold" panose="020B0600000101010101" pitchFamily="50" charset="-127"/>
-                <a:ea typeface="나눔스퀘어 Bold" panose="020B0600000101010101" pitchFamily="50" charset="-127"/>
+              <a:rPr lang="en-US" altLang="ko-KR" sz="2400" spc="-150" dirty="0">
+                <a:solidFill>
+                  <a:srgbClr val="00002F"/>
+                </a:solidFill>
+                <a:latin typeface="나눔스퀘어 ExtraBold" panose="020B0600000101010101" pitchFamily="50" charset="-127"/>
+                <a:ea typeface="나눔스퀘어 ExtraBold" panose="020B0600000101010101" pitchFamily="50" charset="-127"/>
               </a:rPr>
-              <a:t>내용을 입력하세요</a:t>
+              <a:t>04.</a:t>
             </a:r>
-            <a:r>
-              <a:rPr lang="en-US" altLang="ko-KR" dirty="0" smtClean="0">
-                <a:latin typeface="나눔스퀘어 Bold" panose="020B0600000101010101" pitchFamily="50" charset="-127"/>
-                <a:ea typeface="나눔스퀘어 Bold" panose="020B0600000101010101" pitchFamily="50" charset="-127"/>
-              </a:rPr>
-              <a:t>.</a:t>
-            </a:r>
-            <a:endParaRPr lang="ko-KR" altLang="en-US" dirty="0">
-              <a:latin typeface="나눔스퀘어 Bold" panose="020B0600000101010101" pitchFamily="50" charset="-127"/>
-              <a:ea typeface="나눔스퀘어 Bold" panose="020B0600000101010101" pitchFamily="50" charset="-127"/>
+            <a:endParaRPr lang="ko-KR" altLang="en-US" sz="2400" spc="-150" dirty="0">
+              <a:solidFill>
+                <a:srgbClr val="00002F"/>
+              </a:solidFill>
+              <a:latin typeface="나눔스퀘어 ExtraBold" panose="020B0600000101010101" pitchFamily="50" charset="-127"/>
+              <a:ea typeface="나눔스퀘어 ExtraBold" panose="020B0600000101010101" pitchFamily="50" charset="-127"/>
             </a:endParaRPr>
           </a:p>
         </p:txBody>
       </p:sp>
+      <p:pic>
+        <p:nvPicPr>
+          <p:cNvPr id="2" name="그림 1">
+            <a:extLst>
+              <a:ext uri="{FF2B5EF4-FFF2-40B4-BE49-F238E27FC236}">
+                <a16:creationId xmlns:a16="http://schemas.microsoft.com/office/drawing/2014/main" id="{16D9A414-97D2-46CB-85D9-BD8A69563621}"/>
+              </a:ext>
+            </a:extLst>
+          </p:cNvPr>
+          <p:cNvPicPr>
+            <a:picLocks noChangeAspect="1"/>
+          </p:cNvPicPr>
+          <p:nvPr/>
+        </p:nvPicPr>
+        <p:blipFill>
+          <a:blip r:embed="rId2"/>
+          <a:stretch>
+            <a:fillRect/>
+          </a:stretch>
+        </p:blipFill>
+        <p:spPr>
+          <a:xfrm>
+            <a:off x="3887101" y="304132"/>
+            <a:ext cx="4964305" cy="3124868"/>
+          </a:xfrm>
+          <a:prstGeom prst="rect">
+            <a:avLst/>
+          </a:prstGeom>
+        </p:spPr>
+      </p:pic>
+      <p:pic>
+        <p:nvPicPr>
+          <p:cNvPr id="3" name="그림 2">
+            <a:extLst>
+              <a:ext uri="{FF2B5EF4-FFF2-40B4-BE49-F238E27FC236}">
+                <a16:creationId xmlns:a16="http://schemas.microsoft.com/office/drawing/2014/main" id="{F294949F-D7D6-4172-9877-1BADB1B76985}"/>
+              </a:ext>
+            </a:extLst>
+          </p:cNvPr>
+          <p:cNvPicPr>
+            <a:picLocks noChangeAspect="1"/>
+          </p:cNvPicPr>
+          <p:nvPr/>
+        </p:nvPicPr>
+        <p:blipFill>
+          <a:blip r:embed="rId3"/>
+          <a:stretch>
+            <a:fillRect/>
+          </a:stretch>
+        </p:blipFill>
+        <p:spPr>
+          <a:xfrm>
+            <a:off x="3887101" y="4066235"/>
+            <a:ext cx="5363361" cy="2642457"/>
+          </a:xfrm>
+          <a:prstGeom prst="rect">
+            <a:avLst/>
+          </a:prstGeom>
+        </p:spPr>
+      </p:pic>
     </p:spTree>
     <p:extLst>
       <p:ext uri="{BB962C8B-B14F-4D97-AF65-F5344CB8AC3E}">
-        <p14:creationId xmlns:p14="http://schemas.microsoft.com/office/powerpoint/2010/main" val="2671169022"/>
+        <p14:creationId xmlns:p14="http://schemas.microsoft.com/office/powerpoint/2010/main" val="2511007924"/>
       </p:ext>
     </p:extLst>
   </p:cSld>
   <p:clrMapOvr>
     <a:masterClrMapping/>
   </p:clrMapOvr>
-  <p:timing>
-    <p:tnLst>
-      <p:par>
-        <p:cTn id="1" dur="indefinite" restart="never" nodeType="tmRoot"/>
-      </p:par>
-    </p:tnLst>
-  </p:timing>
 </p:sld>
 </file>
 
